--- a/logo.pptx
+++ b/logo.pptx
@@ -7,6 +7,7 @@
   <p:sldIdLst>
     <p:sldId id="256" r:id="rId2"/>
     <p:sldId id="257" r:id="rId3"/>
+    <p:sldId id="258" r:id="rId4"/>
   </p:sldIdLst>
   <p:sldSz cx="12192000" cy="6858000"/>
   <p:notesSz cx="6858000" cy="9144000"/>
@@ -105,6 +106,11 @@
       </a:defRPr>
     </a:lvl9pPr>
   </p:defaultTextStyle>
+  <p:extLst>
+    <p:ext uri="{EFAFB233-063F-42B5-8137-9DF3F51BA10A}">
+      <p15:sldGuideLst xmlns:p15="http://schemas.microsoft.com/office/powerpoint/2012/main"/>
+    </p:ext>
+  </p:extLst>
 </p:presentation>
 </file>
 
@@ -257,7 +263,7 @@
           <a:p>
             <a:fld id="{3B09FA50-6BCE-8E4A-AA15-910E3F46FCCB}" type="datetimeFigureOut">
               <a:rPr lang="en-TW" smtClean="0"/>
-              <a:t>2025/3/28</a:t>
+              <a:t>2025/4/16</a:t>
             </a:fld>
             <a:endParaRPr lang="en-TW"/>
           </a:p>
@@ -457,7 +463,7 @@
           <a:p>
             <a:fld id="{3B09FA50-6BCE-8E4A-AA15-910E3F46FCCB}" type="datetimeFigureOut">
               <a:rPr lang="en-TW" smtClean="0"/>
-              <a:t>2025/3/28</a:t>
+              <a:t>2025/4/16</a:t>
             </a:fld>
             <a:endParaRPr lang="en-TW"/>
           </a:p>
@@ -667,7 +673,7 @@
           <a:p>
             <a:fld id="{3B09FA50-6BCE-8E4A-AA15-910E3F46FCCB}" type="datetimeFigureOut">
               <a:rPr lang="en-TW" smtClean="0"/>
-              <a:t>2025/3/28</a:t>
+              <a:t>2025/4/16</a:t>
             </a:fld>
             <a:endParaRPr lang="en-TW"/>
           </a:p>
@@ -867,7 +873,7 @@
           <a:p>
             <a:fld id="{3B09FA50-6BCE-8E4A-AA15-910E3F46FCCB}" type="datetimeFigureOut">
               <a:rPr lang="en-TW" smtClean="0"/>
-              <a:t>2025/3/28</a:t>
+              <a:t>2025/4/16</a:t>
             </a:fld>
             <a:endParaRPr lang="en-TW"/>
           </a:p>
@@ -1143,7 +1149,7 @@
           <a:p>
             <a:fld id="{3B09FA50-6BCE-8E4A-AA15-910E3F46FCCB}" type="datetimeFigureOut">
               <a:rPr lang="en-TW" smtClean="0"/>
-              <a:t>2025/3/28</a:t>
+              <a:t>2025/4/16</a:t>
             </a:fld>
             <a:endParaRPr lang="en-TW"/>
           </a:p>
@@ -1411,7 +1417,7 @@
           <a:p>
             <a:fld id="{3B09FA50-6BCE-8E4A-AA15-910E3F46FCCB}" type="datetimeFigureOut">
               <a:rPr lang="en-TW" smtClean="0"/>
-              <a:t>2025/3/28</a:t>
+              <a:t>2025/4/16</a:t>
             </a:fld>
             <a:endParaRPr lang="en-TW"/>
           </a:p>
@@ -1826,7 +1832,7 @@
           <a:p>
             <a:fld id="{3B09FA50-6BCE-8E4A-AA15-910E3F46FCCB}" type="datetimeFigureOut">
               <a:rPr lang="en-TW" smtClean="0"/>
-              <a:t>2025/3/28</a:t>
+              <a:t>2025/4/16</a:t>
             </a:fld>
             <a:endParaRPr lang="en-TW"/>
           </a:p>
@@ -1968,7 +1974,7 @@
           <a:p>
             <a:fld id="{3B09FA50-6BCE-8E4A-AA15-910E3F46FCCB}" type="datetimeFigureOut">
               <a:rPr lang="en-TW" smtClean="0"/>
-              <a:t>2025/3/28</a:t>
+              <a:t>2025/4/16</a:t>
             </a:fld>
             <a:endParaRPr lang="en-TW"/>
           </a:p>
@@ -2081,7 +2087,7 @@
           <a:p>
             <a:fld id="{3B09FA50-6BCE-8E4A-AA15-910E3F46FCCB}" type="datetimeFigureOut">
               <a:rPr lang="en-TW" smtClean="0"/>
-              <a:t>2025/3/28</a:t>
+              <a:t>2025/4/16</a:t>
             </a:fld>
             <a:endParaRPr lang="en-TW"/>
           </a:p>
@@ -2394,7 +2400,7 @@
           <a:p>
             <a:fld id="{3B09FA50-6BCE-8E4A-AA15-910E3F46FCCB}" type="datetimeFigureOut">
               <a:rPr lang="en-TW" smtClean="0"/>
-              <a:t>2025/3/28</a:t>
+              <a:t>2025/4/16</a:t>
             </a:fld>
             <a:endParaRPr lang="en-TW"/>
           </a:p>
@@ -2683,7 +2689,7 @@
           <a:p>
             <a:fld id="{3B09FA50-6BCE-8E4A-AA15-910E3F46FCCB}" type="datetimeFigureOut">
               <a:rPr lang="en-TW" smtClean="0"/>
-              <a:t>2025/3/28</a:t>
+              <a:t>2025/4/16</a:t>
             </a:fld>
             <a:endParaRPr lang="en-TW"/>
           </a:p>
@@ -2926,7 +2932,7 @@
           <a:p>
             <a:fld id="{3B09FA50-6BCE-8E4A-AA15-910E3F46FCCB}" type="datetimeFigureOut">
               <a:rPr lang="en-TW" smtClean="0"/>
-              <a:t>2025/3/28</a:t>
+              <a:t>2025/4/16</a:t>
             </a:fld>
             <a:endParaRPr lang="en-TW"/>
           </a:p>
@@ -3562,7 +3568,7 @@
         </p:blipFill>
         <p:spPr>
           <a:xfrm>
-            <a:off x="7018482" y="-77932"/>
+            <a:off x="7018482" y="134569"/>
             <a:ext cx="4343400" cy="4483100"/>
           </a:xfrm>
           <a:prstGeom prst="rect">
@@ -3604,6 +3610,176 @@
     <p:extLst>
       <p:ext uri="{BB962C8B-B14F-4D97-AF65-F5344CB8AC3E}">
         <p14:creationId xmlns:p14="http://schemas.microsoft.com/office/powerpoint/2010/main" val="218933370"/>
+      </p:ext>
+    </p:extLst>
+  </p:cSld>
+  <p:clrMapOvr>
+    <a:masterClrMapping/>
+  </p:clrMapOvr>
+</p:sld>
+</file>
+
+<file path=ppt/slides/slide3.xml><?xml version="1.0" encoding="utf-8"?>
+<p:sld xmlns:a="http://schemas.openxmlformats.org/drawingml/2006/main" xmlns:r="http://schemas.openxmlformats.org/officeDocument/2006/relationships" xmlns:p="http://schemas.openxmlformats.org/presentationml/2006/main">
+  <p:cSld>
+    <p:spTree>
+      <p:nvGrpSpPr>
+        <p:cNvPr id="1" name=""/>
+        <p:cNvGrpSpPr/>
+        <p:nvPr/>
+      </p:nvGrpSpPr>
+      <p:grpSpPr>
+        <a:xfrm>
+          <a:off x="0" y="0"/>
+          <a:ext cx="0" cy="0"/>
+          <a:chOff x="0" y="0"/>
+          <a:chExt cx="0" cy="0"/>
+        </a:xfrm>
+      </p:grpSpPr>
+      <p:pic>
+        <p:nvPicPr>
+          <p:cNvPr id="5" name="Picture 4" descr="A black and white logo&#10;&#10;Description automatically generated">
+            <a:extLst>
+              <a:ext uri="{FF2B5EF4-FFF2-40B4-BE49-F238E27FC236}">
+                <a16:creationId xmlns:a16="http://schemas.microsoft.com/office/drawing/2014/main" id="{CB1522E6-30CE-A847-6BFC-8CB4E2E32533}"/>
+              </a:ext>
+            </a:extLst>
+          </p:cNvPr>
+          <p:cNvPicPr>
+            <a:picLocks noChangeAspect="1"/>
+          </p:cNvPicPr>
+          <p:nvPr/>
+        </p:nvPicPr>
+        <p:blipFill rotWithShape="1">
+          <a:blip r:embed="rId2">
+            <a:extLst>
+              <a:ext uri="{BEBA8EAE-BF5A-486C-A8C5-ECC9F3942E4B}">
+                <a14:imgProps xmlns:a14="http://schemas.microsoft.com/office/drawing/2010/main">
+                  <a14:imgLayer r:embed="rId3">
+                    <a14:imgEffect>
+                      <a14:backgroundRemoval t="24718" b="75395" l="23928" r="76411">
+                        <a14:foregroundMark x1="26637" y1="25395" x2="26637" y2="25395"/>
+                        <a14:foregroundMark x1="26637" y1="24718" x2="23928" y2="30813"/>
+                        <a14:foregroundMark x1="23702" y1="31490" x2="26975" y2="38262"/>
+                        <a14:foregroundMark x1="26975" y1="38262" x2="33296" y2="41196"/>
+                        <a14:foregroundMark x1="33296" y1="41196" x2="52032" y2="65463"/>
+                        <a14:foregroundMark x1="52032" y1="65463" x2="64221" y2="72799"/>
+                        <a14:foregroundMark x1="64221" y1="72799" x2="69752" y2="74266"/>
+                        <a14:foregroundMark x1="27991" y1="24831" x2="35102" y2="25508"/>
+                        <a14:foregroundMark x1="35102" y1="25508" x2="38939" y2="25395"/>
+                        <a14:foregroundMark x1="35440" y1="30474" x2="37923" y2="39391"/>
+                        <a14:foregroundMark x1="37923" y1="39391" x2="45260" y2="33634"/>
+                        <a14:foregroundMark x1="45260" y1="33634" x2="36230" y2="40632"/>
+                        <a14:foregroundMark x1="36230" y1="40632" x2="43905" y2="48984"/>
+                        <a14:foregroundMark x1="43905" y1="48984" x2="51693" y2="43341"/>
+                        <a14:foregroundMark x1="51693" y1="43341" x2="40971" y2="52596"/>
+                        <a14:foregroundMark x1="40971" y1="52596" x2="46388" y2="60609"/>
+                        <a14:foregroundMark x1="46388" y1="60609" x2="52822" y2="54176"/>
+                        <a14:foregroundMark x1="52822" y1="54176" x2="39503" y2="53160"/>
+                        <a14:foregroundMark x1="39503" y1="53160" x2="27765" y2="65688"/>
+                        <a14:foregroundMark x1="27765" y1="65688" x2="32957" y2="70316"/>
+                        <a14:foregroundMark x1="32957" y1="70316" x2="40745" y2="72235"/>
+                        <a14:foregroundMark x1="40745" y1="72235" x2="48646" y2="70316"/>
+                        <a14:foregroundMark x1="48646" y1="70316" x2="63657" y2="72235"/>
+                        <a14:foregroundMark x1="63657" y1="72235" x2="70767" y2="71670"/>
+                        <a14:foregroundMark x1="70767" y1="71670" x2="74379" y2="35553"/>
+                        <a14:foregroundMark x1="74379" y1="35553" x2="76072" y2="38826"/>
+                        <a14:foregroundMark x1="33409" y1="31377" x2="25959" y2="29233"/>
+                        <a14:foregroundMark x1="25959" y1="29233" x2="32280" y2="32167"/>
+                        <a14:foregroundMark x1="32280" y1="32167" x2="46840" y2="26749"/>
+                        <a14:foregroundMark x1="46840" y1="26749" x2="55869" y2="29007"/>
+                        <a14:foregroundMark x1="55869" y1="29007" x2="54063" y2="36117"/>
+                        <a14:foregroundMark x1="54063" y1="36117" x2="61287" y2="31941"/>
+                        <a14:foregroundMark x1="61287" y1="31941" x2="67720" y2="34650"/>
+                        <a14:foregroundMark x1="67720" y1="34650" x2="74153" y2="31490"/>
+                        <a14:foregroundMark x1="74153" y1="31490" x2="67946" y2="26637"/>
+                        <a14:foregroundMark x1="67946" y1="26637" x2="59707" y2="27314"/>
+                        <a14:foregroundMark x1="59707" y1="27314" x2="54063" y2="31490"/>
+                        <a14:foregroundMark x1="54063" y1="31490" x2="28894" y2="36230"/>
+                        <a14:foregroundMark x1="28894" y1="36230" x2="26298" y2="29571"/>
+                        <a14:foregroundMark x1="26298" y1="29571" x2="26411" y2="36795"/>
+                        <a14:foregroundMark x1="26411" y1="36795" x2="24379" y2="44131"/>
+                        <a14:foregroundMark x1="24379" y1="44131" x2="30023" y2="49774"/>
+                        <a14:foregroundMark x1="30023" y1="49774" x2="28555" y2="42777"/>
+                        <a14:foregroundMark x1="28555" y1="42777" x2="34312" y2="47968"/>
+                        <a14:foregroundMark x1="34312" y1="47968" x2="31377" y2="55418"/>
+                        <a14:foregroundMark x1="31377" y1="55418" x2="37133" y2="50790"/>
+                        <a14:foregroundMark x1="37133" y1="50790" x2="52822" y2="47630"/>
+                        <a14:foregroundMark x1="52822" y1="47630" x2="59932" y2="48533"/>
+                        <a14:foregroundMark x1="59932" y1="48533" x2="67494" y2="44582"/>
+                        <a14:foregroundMark x1="67494" y1="44582" x2="68510" y2="51467"/>
+                        <a14:foregroundMark x1="68510" y1="51467" x2="68059" y2="42325"/>
+                        <a14:foregroundMark x1="68059" y1="42325" x2="53047" y2="35666"/>
+                        <a14:foregroundMark x1="53047" y1="35666" x2="60045" y2="49887"/>
+                        <a14:foregroundMark x1="60045" y1="49887" x2="57449" y2="57562"/>
+                        <a14:foregroundMark x1="57449" y1="57562" x2="51242" y2="61964"/>
+                        <a14:foregroundMark x1="51242" y1="61964" x2="55869" y2="55756"/>
+                        <a14:foregroundMark x1="55869" y1="55756" x2="64447" y2="59594"/>
+                        <a14:foregroundMark x1="64447" y1="59594" x2="55756" y2="54515"/>
+                        <a14:foregroundMark x1="55756" y1="54515" x2="47968" y2="60271"/>
+                        <a14:foregroundMark x1="47968" y1="60271" x2="45485" y2="53160"/>
+                        <a14:foregroundMark x1="45485" y1="53160" x2="39503" y2="59932"/>
+                        <a14:foregroundMark x1="39503" y1="59932" x2="33296" y2="53837"/>
+                        <a14:foregroundMark x1="33296" y1="53837" x2="31941" y2="62980"/>
+                        <a14:foregroundMark x1="31941" y1="62980" x2="30023" y2="55643"/>
+                        <a14:foregroundMark x1="30023" y1="55643" x2="28668" y2="63205"/>
+                        <a14:foregroundMark x1="28668" y1="63205" x2="29797" y2="54628"/>
+                        <a14:foregroundMark x1="29797" y1="54628" x2="25621" y2="47968"/>
+                        <a14:foregroundMark x1="25621" y1="47968" x2="24379" y2="55418"/>
+                        <a14:foregroundMark x1="24379" y1="55418" x2="24944" y2="61174"/>
+                        <a14:foregroundMark x1="27201" y1="28668" x2="34312" y2="26524"/>
+                        <a14:foregroundMark x1="34312" y1="26524" x2="41309" y2="27427"/>
+                        <a14:foregroundMark x1="41309" y1="27427" x2="40745" y2="27201"/>
+                        <a14:foregroundMark x1="59594" y1="32619" x2="66366" y2="30474"/>
+                        <a14:foregroundMark x1="66366" y1="30474" x2="70767" y2="36117"/>
+                        <a14:foregroundMark x1="70767" y1="36117" x2="63995" y2="37923"/>
+                        <a14:foregroundMark x1="63995" y1="37923" x2="57675" y2="34876"/>
+                        <a14:foregroundMark x1="57675" y1="34876" x2="58014" y2="39052"/>
+                        <a14:foregroundMark x1="61625" y1="34650" x2="66366" y2="34312"/>
+                        <a14:foregroundMark x1="61625" y1="44921" x2="60835" y2="51806"/>
+                        <a14:foregroundMark x1="60835" y1="51806" x2="64334" y2="45824"/>
+                        <a14:foregroundMark x1="64334" y1="45824" x2="64334" y2="44244"/>
+                        <a14:foregroundMark x1="62980" y1="53725" x2="65011" y2="49549"/>
+                        <a14:foregroundMark x1="64673" y1="57675" x2="65124" y2="58126"/>
+                        <a14:foregroundMark x1="73251" y1="56772" x2="74605" y2="58916"/>
+                        <a14:foregroundMark x1="75847" y1="47856" x2="76411" y2="51693"/>
+                        <a14:foregroundMark x1="31038" y1="64334" x2="37698" y2="66930"/>
+                        <a14:foregroundMark x1="37698" y1="66930" x2="44921" y2="67156"/>
+                        <a14:foregroundMark x1="44921" y1="67156" x2="51919" y2="67043"/>
+                        <a14:foregroundMark x1="51919" y1="67043" x2="52822" y2="69639"/>
+                        <a14:foregroundMark x1="48758" y1="67720" x2="33747" y2="69413"/>
+                        <a14:foregroundMark x1="33747" y1="69413" x2="42325" y2="68849"/>
+                        <a14:foregroundMark x1="42325" y1="68849" x2="43567" y2="69074"/>
+                        <a14:foregroundMark x1="75282" y1="55192" x2="75169" y2="58465"/>
+                        <a14:foregroundMark x1="73476" y1="74266" x2="56998" y2="75056"/>
+                        <a14:foregroundMark x1="29345" y1="75395" x2="51467" y2="74492"/>
+                        <a14:foregroundMark x1="51467" y1="74492" x2="50113" y2="70655"/>
+                        <a14:foregroundMark x1="35214" y1="58352" x2="29910" y2="65463"/>
+                        <a14:foregroundMark x1="29910" y1="65463" x2="27991" y2="73476"/>
+                      </a14:backgroundRemoval>
+                    </a14:imgEffect>
+                  </a14:imgLayer>
+                </a14:imgProps>
+              </a:ext>
+            </a:extLst>
+          </a:blip>
+          <a:srcRect l="22037" t="22776" r="22037" b="22916"/>
+          <a:stretch/>
+        </p:blipFill>
+        <p:spPr>
+          <a:xfrm>
+            <a:off x="4178300" y="1562100"/>
+            <a:ext cx="2884140" cy="2800575"/>
+          </a:xfrm>
+          <a:prstGeom prst="rect">
+            <a:avLst/>
+          </a:prstGeom>
+        </p:spPr>
+      </p:pic>
+    </p:spTree>
+    <p:extLst>
+      <p:ext uri="{BB962C8B-B14F-4D97-AF65-F5344CB8AC3E}">
+        <p14:creationId xmlns:p14="http://schemas.microsoft.com/office/powerpoint/2010/main" val="2449394292"/>
       </p:ext>
     </p:extLst>
   </p:cSld>
